--- a/Presentations/Scientific Steering Committee/SSC 2018/Mantid 4.pptx
+++ b/Presentations/Scientific Steering Committee/SSC 2018/Mantid 4.pptx
@@ -3916,7 +3916,12 @@
             <p:ph idx="1"/>
           </p:nvPr>
         </p:nvSpPr>
-        <p:spPr/>
+        <p:spPr>
+          <a:xfrm>
+            <a:off x="457200" y="1600200"/>
+            <a:ext cx="8229600" cy="4781128"/>
+          </a:xfrm>
+        </p:spPr>
         <p:txBody>
           <a:bodyPr>
             <a:normAutofit fontScale="55000" lnSpcReduction="20000"/>
@@ -3965,11 +3970,7 @@
           <a:p>
             <a:r>
               <a:rPr lang="en-GB" dirty="0" smtClean="0"/>
-              <a:t>Technique specific </a:t>
-            </a:r>
-            <a:r>
-              <a:rPr lang="en-GB" dirty="0" smtClean="0"/>
-              <a:t>Interfaces</a:t>
+              <a:t>Technique specific Interfaces</a:t>
             </a:r>
           </a:p>
           <a:p>
@@ -4003,7 +4004,6 @@
               <a:rPr lang="en-GB" dirty="0" smtClean="0"/>
               <a:t>Workspace History display</a:t>
             </a:r>
-            <a:endParaRPr lang="en-GB" dirty="0" smtClean="0"/>
           </a:p>
           <a:p>
             <a:r>
@@ -4055,6 +4055,13 @@
             <a:r>
               <a:rPr lang="en-GB" dirty="0" err="1" smtClean="0"/>
               <a:t>etc</a:t>
+            </a:r>
+            <a:endParaRPr lang="en-GB" dirty="0" smtClean="0"/>
+          </a:p>
+          <a:p>
+            <a:r>
+              <a:rPr lang="en-GB" dirty="0" smtClean="0"/>
+              <a:t>Packaging and installers</a:t>
             </a:r>
             <a:endParaRPr lang="en-GB" dirty="0" smtClean="0"/>
           </a:p>
@@ -4518,7 +4525,6 @@
               <a:rPr lang="en-US" dirty="0" smtClean="0"/>
               <a:t>But …</a:t>
             </a:r>
-            <a:endParaRPr lang="en-US" dirty="0" smtClean="0"/>
           </a:p>
           <a:p>
             <a:pPr lvl="1"/>
